--- a/Task 3.pptx
+++ b/Task 3.pptx
@@ -5,48 +5,47 @@
     <p:sldMasterId id="2147483648" r:id="rId1"/>
   </p:sldMasterIdLst>
   <p:notesMasterIdLst>
-    <p:notesMasterId r:id="rId14"/>
+    <p:notesMasterId r:id="rId13"/>
   </p:notesMasterIdLst>
   <p:sldIdLst>
     <p:sldId id="4778" r:id="rId2"/>
     <p:sldId id="1010" r:id="rId3"/>
     <p:sldId id="4780" r:id="rId4"/>
     <p:sldId id="4779" r:id="rId5"/>
-    <p:sldId id="4781" r:id="rId6"/>
-    <p:sldId id="4782" r:id="rId7"/>
-    <p:sldId id="4783" r:id="rId8"/>
-    <p:sldId id="4787" r:id="rId9"/>
-    <p:sldId id="4784" r:id="rId10"/>
-    <p:sldId id="4785" r:id="rId11"/>
-    <p:sldId id="4786" r:id="rId12"/>
-    <p:sldId id="275" r:id="rId13"/>
+    <p:sldId id="4782" r:id="rId6"/>
+    <p:sldId id="4783" r:id="rId7"/>
+    <p:sldId id="4787" r:id="rId8"/>
+    <p:sldId id="4784" r:id="rId9"/>
+    <p:sldId id="4785" r:id="rId10"/>
+    <p:sldId id="4786" r:id="rId11"/>
+    <p:sldId id="275" r:id="rId12"/>
   </p:sldIdLst>
   <p:sldSz cx="12192000" cy="6858000"/>
   <p:notesSz cx="6858000" cy="9144000"/>
   <p:embeddedFontLst>
     <p:embeddedFont>
       <p:font typeface="Calibri" panose="020F0502020204030204" pitchFamily="34" charset="0"/>
-      <p:regular r:id="rId15"/>
-      <p:bold r:id="rId16"/>
-      <p:italic r:id="rId17"/>
-      <p:boldItalic r:id="rId18"/>
+      <p:regular r:id="rId14"/>
+      <p:bold r:id="rId15"/>
+      <p:italic r:id="rId16"/>
+      <p:boldItalic r:id="rId17"/>
     </p:embeddedFont>
     <p:embeddedFont>
       <p:font typeface="Roboto" panose="020B0604020202020204" charset="0"/>
-      <p:regular r:id="rId19"/>
-      <p:bold r:id="rId20"/>
-      <p:italic r:id="rId21"/>
-      <p:boldItalic r:id="rId22"/>
+      <p:regular r:id="rId18"/>
+      <p:bold r:id="rId19"/>
+      <p:italic r:id="rId20"/>
+      <p:boldItalic r:id="rId21"/>
     </p:embeddedFont>
     <p:embeddedFont>
       <p:font typeface="Roboto Light" panose="020B0604020202020204" charset="0"/>
-      <p:regular r:id="rId23"/>
-      <p:italic r:id="rId24"/>
+      <p:regular r:id="rId22"/>
+      <p:italic r:id="rId23"/>
     </p:embeddedFont>
     <p:embeddedFont>
       <p:font typeface="Roboto Medium" panose="020B0604020202020204" charset="0"/>
-      <p:regular r:id="rId25"/>
-      <p:italic r:id="rId26"/>
+      <p:regular r:id="rId24"/>
+      <p:italic r:id="rId25"/>
     </p:embeddedFont>
   </p:embeddedFontLst>
   <p:defaultTextStyle>
@@ -153,7 +152,6 @@
             <p14:sldId id="1010"/>
             <p14:sldId id="4780"/>
             <p14:sldId id="4779"/>
-            <p14:sldId id="4781"/>
             <p14:sldId id="4782"/>
             <p14:sldId id="4783"/>
             <p14:sldId id="4787"/>
@@ -977,7 +975,7 @@
           <a:p>
             <a:fld id="{D4566AC9-2A0D-473B-9623-D34100E64E4F}" type="slidenum">
               <a:rPr lang="en-AU" smtClean="0"/>
-              <a:t>12</a:t>
+              <a:t>11</a:t>
             </a:fld>
             <a:endParaRPr lang="en-AU" dirty="0"/>
           </a:p>
@@ -15923,229 +15921,6 @@
               <a:buChar char="•"/>
             </a:pPr>
             <a:r>
-              <a:rPr lang="en-US" dirty="0"/>
-              <a:t>We can see that Trial store 77 sales for Feb, March, and April exceeds 95% threshold of control store. Same goes to store 86 sales for all 3 trial months.</a:t>
-            </a:r>
-          </a:p>
-          <a:p>
-            <a:pPr marL="342900" indent="-342900">
-              <a:buFont typeface="Arial" panose="020B0604020202020204" pitchFamily="34" charset="0"/>
-              <a:buChar char="•"/>
-            </a:pPr>
-            <a:r>
-              <a:rPr lang="en-US" dirty="0"/>
-              <a:t>Whereas trial store 88 sales increase is insignificant.</a:t>
-            </a:r>
-            <a:endParaRPr lang="en-AU" dirty="0"/>
-          </a:p>
-        </p:txBody>
-      </p:sp>
-      <p:pic>
-        <p:nvPicPr>
-          <p:cNvPr id="2" name="Picture 1">
-            <a:extLst>
-              <a:ext uri="{FF2B5EF4-FFF2-40B4-BE49-F238E27FC236}">
-                <a16:creationId xmlns:a16="http://schemas.microsoft.com/office/drawing/2014/main" id="{63E30F50-ED63-4179-A426-2CF2BA3316E2}"/>
-              </a:ext>
-            </a:extLst>
-          </p:cNvPr>
-          <p:cNvPicPr>
-            <a:picLocks noChangeAspect="1"/>
-          </p:cNvPicPr>
-          <p:nvPr/>
-        </p:nvPicPr>
-        <p:blipFill>
-          <a:blip r:embed="rId2"/>
-          <a:stretch>
-            <a:fillRect/>
-          </a:stretch>
-        </p:blipFill>
-        <p:spPr>
-          <a:xfrm>
-            <a:off x="12305402" y="0"/>
-            <a:ext cx="1993565" cy="1822862"/>
-          </a:xfrm>
-          <a:prstGeom prst="rect">
-            <a:avLst/>
-          </a:prstGeom>
-        </p:spPr>
-      </p:pic>
-      <p:pic>
-        <p:nvPicPr>
-          <p:cNvPr id="7" name="Picture 6">
-            <a:extLst>
-              <a:ext uri="{FF2B5EF4-FFF2-40B4-BE49-F238E27FC236}">
-                <a16:creationId xmlns:a16="http://schemas.microsoft.com/office/drawing/2014/main" id="{D8A04081-B698-40DD-9CDF-46BA9515250A}"/>
-              </a:ext>
-            </a:extLst>
-          </p:cNvPr>
-          <p:cNvPicPr>
-            <a:picLocks noChangeAspect="1"/>
-          </p:cNvPicPr>
-          <p:nvPr/>
-        </p:nvPicPr>
-        <p:blipFill>
-          <a:blip r:embed="rId3">
-            <a:extLst>
-              <a:ext uri="{28A0092B-C50C-407E-A947-70E740481C1C}">
-                <a14:useLocalDpi xmlns:a14="http://schemas.microsoft.com/office/drawing/2010/main" val="0"/>
-              </a:ext>
-            </a:extLst>
-          </a:blip>
-          <a:stretch>
-            <a:fillRect/>
-          </a:stretch>
-        </p:blipFill>
-        <p:spPr>
-          <a:xfrm>
-            <a:off x="1286745" y="2862455"/>
-            <a:ext cx="3404352" cy="2254295"/>
-          </a:xfrm>
-          <a:prstGeom prst="rect">
-            <a:avLst/>
-          </a:prstGeom>
-        </p:spPr>
-      </p:pic>
-      <p:pic>
-        <p:nvPicPr>
-          <p:cNvPr id="9" name="Picture 8">
-            <a:extLst>
-              <a:ext uri="{FF2B5EF4-FFF2-40B4-BE49-F238E27FC236}">
-                <a16:creationId xmlns:a16="http://schemas.microsoft.com/office/drawing/2014/main" id="{BD7B84C6-DBDC-4533-8B55-101AA261F95B}"/>
-              </a:ext>
-            </a:extLst>
-          </p:cNvPr>
-          <p:cNvPicPr>
-            <a:picLocks noChangeAspect="1"/>
-          </p:cNvPicPr>
-          <p:nvPr/>
-        </p:nvPicPr>
-        <p:blipFill>
-          <a:blip r:embed="rId4">
-            <a:extLst>
-              <a:ext uri="{28A0092B-C50C-407E-A947-70E740481C1C}">
-                <a14:useLocalDpi xmlns:a14="http://schemas.microsoft.com/office/drawing/2010/main" val="0"/>
-              </a:ext>
-            </a:extLst>
-          </a:blip>
-          <a:stretch>
-            <a:fillRect/>
-          </a:stretch>
-        </p:blipFill>
-        <p:spPr>
-          <a:xfrm>
-            <a:off x="4673415" y="2862456"/>
-            <a:ext cx="3445590" cy="2254295"/>
-          </a:xfrm>
-          <a:prstGeom prst="rect">
-            <a:avLst/>
-          </a:prstGeom>
-        </p:spPr>
-      </p:pic>
-      <p:pic>
-        <p:nvPicPr>
-          <p:cNvPr id="11" name="Picture 10">
-            <a:extLst>
-              <a:ext uri="{FF2B5EF4-FFF2-40B4-BE49-F238E27FC236}">
-                <a16:creationId xmlns:a16="http://schemas.microsoft.com/office/drawing/2014/main" id="{1A93C773-C71D-4C66-A62F-59D5BCEB98D8}"/>
-              </a:ext>
-            </a:extLst>
-          </p:cNvPr>
-          <p:cNvPicPr>
-            <a:picLocks noChangeAspect="1"/>
-          </p:cNvPicPr>
-          <p:nvPr/>
-        </p:nvPicPr>
-        <p:blipFill>
-          <a:blip r:embed="rId5">
-            <a:extLst>
-              <a:ext uri="{28A0092B-C50C-407E-A947-70E740481C1C}">
-                <a14:useLocalDpi xmlns:a14="http://schemas.microsoft.com/office/drawing/2010/main" val="0"/>
-              </a:ext>
-            </a:extLst>
-          </a:blip>
-          <a:stretch>
-            <a:fillRect/>
-          </a:stretch>
-        </p:blipFill>
-        <p:spPr>
-          <a:xfrm>
-            <a:off x="8230986" y="2862454"/>
-            <a:ext cx="3445589" cy="2254295"/>
-          </a:xfrm>
-          <a:prstGeom prst="rect">
-            <a:avLst/>
-          </a:prstGeom>
-        </p:spPr>
-      </p:pic>
-    </p:spTree>
-    <p:extLst>
-      <p:ext uri="{BB962C8B-B14F-4D97-AF65-F5344CB8AC3E}">
-        <p14:creationId xmlns:p14="http://schemas.microsoft.com/office/powerpoint/2010/main" val="523037342"/>
-      </p:ext>
-    </p:extLst>
-  </p:cSld>
-  <p:clrMapOvr>
-    <a:masterClrMapping/>
-  </p:clrMapOvr>
-  <mc:AlternateContent xmlns:mc="http://schemas.openxmlformats.org/markup-compatibility/2006" xmlns:p14="http://schemas.microsoft.com/office/powerpoint/2010/main">
-    <mc:Choice Requires="p14">
-      <p:transition spd="med" p14:dur="700">
-        <p:fade/>
-      </p:transition>
-    </mc:Choice>
-    <mc:Fallback xmlns="">
-      <p:transition spd="med">
-        <p:fade/>
-      </p:transition>
-    </mc:Fallback>
-  </mc:AlternateContent>
-</p:sld>
-</file>
-
-<file path=ppt/slides/slide11.xml><?xml version="1.0" encoding="utf-8"?>
-<p:sld xmlns:a="http://schemas.openxmlformats.org/drawingml/2006/main" xmlns:r="http://schemas.openxmlformats.org/officeDocument/2006/relationships" xmlns:p="http://schemas.openxmlformats.org/presentationml/2006/main">
-  <p:cSld>
-    <p:spTree>
-      <p:nvGrpSpPr>
-        <p:cNvPr id="1" name=""/>
-        <p:cNvGrpSpPr/>
-        <p:nvPr/>
-      </p:nvGrpSpPr>
-      <p:grpSpPr>
-        <a:xfrm>
-          <a:off x="0" y="0"/>
-          <a:ext cx="0" cy="0"/>
-          <a:chOff x="0" y="0"/>
-          <a:chExt cx="0" cy="0"/>
-        </a:xfrm>
-      </p:grpSpPr>
-      <p:sp>
-        <p:nvSpPr>
-          <p:cNvPr id="4" name="Text Placeholder 3">
-            <a:extLst>
-              <a:ext uri="{FF2B5EF4-FFF2-40B4-BE49-F238E27FC236}">
-                <a16:creationId xmlns:a16="http://schemas.microsoft.com/office/drawing/2014/main" id="{AE016588-9575-44B2-BAA3-5937B6A9EDA0}"/>
-              </a:ext>
-            </a:extLst>
-          </p:cNvPr>
-          <p:cNvSpPr>
-            <a:spLocks noGrp="1"/>
-          </p:cNvSpPr>
-          <p:nvPr>
-            <p:ph type="body" sz="quarter" idx="10"/>
-          </p:nvPr>
-        </p:nvSpPr>
-        <p:spPr/>
-        <p:txBody>
-          <a:bodyPr/>
-          <a:lstStyle/>
-          <a:p>
-            <a:pPr marL="342900" indent="-342900">
-              <a:buFont typeface="Arial" panose="020B0604020202020204" pitchFamily="34" charset="0"/>
-              <a:buChar char="•"/>
-            </a:pPr>
-            <a:r>
               <a:rPr lang="en-US" sz="2200" dirty="0"/>
               <a:t>Trial store 77: Control store 233 </a:t>
             </a:r>
@@ -16356,7 +16131,7 @@
 </p:sld>
 </file>
 
-<file path=ppt/slides/slide12.xml><?xml version="1.0" encoding="utf-8"?>
+<file path=ppt/slides/slide11.xml><?xml version="1.0" encoding="utf-8"?>
 <p:sld xmlns:a="http://schemas.openxmlformats.org/drawingml/2006/main" xmlns:r="http://schemas.openxmlformats.org/officeDocument/2006/relationships" xmlns:p="http://schemas.openxmlformats.org/presentationml/2006/main">
   <p:cSld>
     <p:spTree>
@@ -17047,106 +16822,6 @@
           <a:bodyPr/>
           <a:lstStyle/>
           <a:p>
-            <a:r>
-              <a:rPr lang="en-AU" dirty="0"/>
-              <a:t>Overview: your key callout for the category should be included here</a:t>
-            </a:r>
-          </a:p>
-        </p:txBody>
-      </p:sp>
-      <p:pic>
-        <p:nvPicPr>
-          <p:cNvPr id="10" name="Picture 9">
-            <a:extLst>
-              <a:ext uri="{FF2B5EF4-FFF2-40B4-BE49-F238E27FC236}">
-                <a16:creationId xmlns:a16="http://schemas.microsoft.com/office/drawing/2014/main" id="{24EC22A1-04A8-4C1E-B24F-AD7AA2EA4F2E}"/>
-              </a:ext>
-            </a:extLst>
-          </p:cNvPr>
-          <p:cNvPicPr>
-            <a:picLocks noChangeAspect="1"/>
-          </p:cNvPicPr>
-          <p:nvPr/>
-        </p:nvPicPr>
-        <p:blipFill>
-          <a:blip r:embed="rId2"/>
-          <a:stretch>
-            <a:fillRect/>
-          </a:stretch>
-        </p:blipFill>
-        <p:spPr>
-          <a:xfrm>
-            <a:off x="12316275" y="0"/>
-            <a:ext cx="1993565" cy="1639966"/>
-          </a:xfrm>
-          <a:prstGeom prst="rect">
-            <a:avLst/>
-          </a:prstGeom>
-        </p:spPr>
-      </p:pic>
-    </p:spTree>
-    <p:extLst>
-      <p:ext uri="{BB962C8B-B14F-4D97-AF65-F5344CB8AC3E}">
-        <p14:creationId xmlns:p14="http://schemas.microsoft.com/office/powerpoint/2010/main" val="2143329268"/>
-      </p:ext>
-    </p:extLst>
-  </p:cSld>
-  <p:clrMapOvr>
-    <a:masterClrMapping/>
-  </p:clrMapOvr>
-  <mc:AlternateContent xmlns:mc="http://schemas.openxmlformats.org/markup-compatibility/2006" xmlns:p14="http://schemas.microsoft.com/office/powerpoint/2010/main">
-    <mc:Choice Requires="p14">
-      <p:transition spd="med" p14:dur="700">
-        <p:fade/>
-      </p:transition>
-    </mc:Choice>
-    <mc:Fallback xmlns="">
-      <p:transition spd="med">
-        <p:fade/>
-      </p:transition>
-    </mc:Fallback>
-  </mc:AlternateContent>
-</p:sld>
-</file>
-
-<file path=ppt/slides/slide6.xml><?xml version="1.0" encoding="utf-8"?>
-<p:sld xmlns:a="http://schemas.openxmlformats.org/drawingml/2006/main" xmlns:r="http://schemas.openxmlformats.org/officeDocument/2006/relationships" xmlns:p="http://schemas.openxmlformats.org/presentationml/2006/main">
-  <p:cSld>
-    <p:spTree>
-      <p:nvGrpSpPr>
-        <p:cNvPr id="1" name=""/>
-        <p:cNvGrpSpPr/>
-        <p:nvPr/>
-      </p:nvGrpSpPr>
-      <p:grpSpPr>
-        <a:xfrm>
-          <a:off x="0" y="0"/>
-          <a:ext cx="0" cy="0"/>
-          <a:chOff x="0" y="0"/>
-          <a:chExt cx="0" cy="0"/>
-        </a:xfrm>
-      </p:grpSpPr>
-      <p:sp>
-        <p:nvSpPr>
-          <p:cNvPr id="4" name="Text Placeholder 3">
-            <a:extLst>
-              <a:ext uri="{FF2B5EF4-FFF2-40B4-BE49-F238E27FC236}">
-                <a16:creationId xmlns:a16="http://schemas.microsoft.com/office/drawing/2014/main" id="{AE016588-9575-44B2-BAA3-5937B6A9EDA0}"/>
-              </a:ext>
-            </a:extLst>
-          </p:cNvPr>
-          <p:cNvSpPr>
-            <a:spLocks noGrp="1"/>
-          </p:cNvSpPr>
-          <p:nvPr>
-            <p:ph type="body" sz="quarter" idx="10"/>
-          </p:nvPr>
-        </p:nvSpPr>
-        <p:spPr/>
-        <p:txBody>
-          <a:bodyPr/>
-          <a:lstStyle/>
-          <a:p>
             <a:pPr marL="342900" indent="-342900">
               <a:buFont typeface="Arial" panose="020B0604020202020204" pitchFamily="34" charset="0"/>
               <a:buChar char="•"/>
@@ -17268,7 +16943,7 @@
 </p:sld>
 </file>
 
-<file path=ppt/slides/slide7.xml><?xml version="1.0" encoding="utf-8"?>
+<file path=ppt/slides/slide6.xml><?xml version="1.0" encoding="utf-8"?>
 <p:sld xmlns:a="http://schemas.openxmlformats.org/drawingml/2006/main" xmlns:r="http://schemas.openxmlformats.org/officeDocument/2006/relationships" xmlns:p="http://schemas.openxmlformats.org/presentationml/2006/main">
   <p:cSld>
     <p:spTree>
@@ -18937,7 +18612,7 @@
 </p:sld>
 </file>
 
-<file path=ppt/slides/slide8.xml><?xml version="1.0" encoding="utf-8"?>
+<file path=ppt/slides/slide7.xml><?xml version="1.0" encoding="utf-8"?>
 <p:sld xmlns:a="http://schemas.openxmlformats.org/drawingml/2006/main" xmlns:r="http://schemas.openxmlformats.org/officeDocument/2006/relationships" xmlns:p="http://schemas.openxmlformats.org/presentationml/2006/main">
   <p:cSld>
     <p:spTree>
@@ -20596,7 +20271,7 @@
 </p:sld>
 </file>
 
-<file path=ppt/slides/slide9.xml><?xml version="1.0" encoding="utf-8"?>
+<file path=ppt/slides/slide8.xml><?xml version="1.0" encoding="utf-8"?>
 <p:sld xmlns:a="http://schemas.openxmlformats.org/drawingml/2006/main" xmlns:r="http://schemas.openxmlformats.org/officeDocument/2006/relationships" xmlns:p="http://schemas.openxmlformats.org/presentationml/2006/main">
   <p:cSld>
     <p:spTree>
@@ -20673,6 +20348,229 @@
     <p:extLst>
       <p:ext uri="{BB962C8B-B14F-4D97-AF65-F5344CB8AC3E}">
         <p14:creationId xmlns:p14="http://schemas.microsoft.com/office/powerpoint/2010/main" val="3377478377"/>
+      </p:ext>
+    </p:extLst>
+  </p:cSld>
+  <p:clrMapOvr>
+    <a:masterClrMapping/>
+  </p:clrMapOvr>
+  <mc:AlternateContent xmlns:mc="http://schemas.openxmlformats.org/markup-compatibility/2006" xmlns:p14="http://schemas.microsoft.com/office/powerpoint/2010/main">
+    <mc:Choice Requires="p14">
+      <p:transition spd="med" p14:dur="700">
+        <p:fade/>
+      </p:transition>
+    </mc:Choice>
+    <mc:Fallback xmlns="">
+      <p:transition spd="med">
+        <p:fade/>
+      </p:transition>
+    </mc:Fallback>
+  </mc:AlternateContent>
+</p:sld>
+</file>
+
+<file path=ppt/slides/slide9.xml><?xml version="1.0" encoding="utf-8"?>
+<p:sld xmlns:a="http://schemas.openxmlformats.org/drawingml/2006/main" xmlns:r="http://schemas.openxmlformats.org/officeDocument/2006/relationships" xmlns:p="http://schemas.openxmlformats.org/presentationml/2006/main">
+  <p:cSld>
+    <p:spTree>
+      <p:nvGrpSpPr>
+        <p:cNvPr id="1" name=""/>
+        <p:cNvGrpSpPr/>
+        <p:nvPr/>
+      </p:nvGrpSpPr>
+      <p:grpSpPr>
+        <a:xfrm>
+          <a:off x="0" y="0"/>
+          <a:ext cx="0" cy="0"/>
+          <a:chOff x="0" y="0"/>
+          <a:chExt cx="0" cy="0"/>
+        </a:xfrm>
+      </p:grpSpPr>
+      <p:sp>
+        <p:nvSpPr>
+          <p:cNvPr id="4" name="Text Placeholder 3">
+            <a:extLst>
+              <a:ext uri="{FF2B5EF4-FFF2-40B4-BE49-F238E27FC236}">
+                <a16:creationId xmlns:a16="http://schemas.microsoft.com/office/drawing/2014/main" id="{AE016588-9575-44B2-BAA3-5937B6A9EDA0}"/>
+              </a:ext>
+            </a:extLst>
+          </p:cNvPr>
+          <p:cNvSpPr>
+            <a:spLocks noGrp="1"/>
+          </p:cNvSpPr>
+          <p:nvPr>
+            <p:ph type="body" sz="quarter" idx="10"/>
+          </p:nvPr>
+        </p:nvSpPr>
+        <p:spPr/>
+        <p:txBody>
+          <a:bodyPr/>
+          <a:lstStyle/>
+          <a:p>
+            <a:pPr marL="342900" indent="-342900">
+              <a:buFont typeface="Arial" panose="020B0604020202020204" pitchFamily="34" charset="0"/>
+              <a:buChar char="•"/>
+            </a:pPr>
+            <a:r>
+              <a:rPr lang="en-US" dirty="0"/>
+              <a:t>We can see that Trial store 77 sales for Feb, March, and April exceeds 95% threshold of control store. Same goes to store 86 sales for all 3 trial months.</a:t>
+            </a:r>
+          </a:p>
+          <a:p>
+            <a:pPr marL="342900" indent="-342900">
+              <a:buFont typeface="Arial" panose="020B0604020202020204" pitchFamily="34" charset="0"/>
+              <a:buChar char="•"/>
+            </a:pPr>
+            <a:r>
+              <a:rPr lang="en-US" dirty="0"/>
+              <a:t>Whereas trial store 88 sales increase is insignificant.</a:t>
+            </a:r>
+            <a:endParaRPr lang="en-AU" dirty="0"/>
+          </a:p>
+        </p:txBody>
+      </p:sp>
+      <p:pic>
+        <p:nvPicPr>
+          <p:cNvPr id="2" name="Picture 1">
+            <a:extLst>
+              <a:ext uri="{FF2B5EF4-FFF2-40B4-BE49-F238E27FC236}">
+                <a16:creationId xmlns:a16="http://schemas.microsoft.com/office/drawing/2014/main" id="{63E30F50-ED63-4179-A426-2CF2BA3316E2}"/>
+              </a:ext>
+            </a:extLst>
+          </p:cNvPr>
+          <p:cNvPicPr>
+            <a:picLocks noChangeAspect="1"/>
+          </p:cNvPicPr>
+          <p:nvPr/>
+        </p:nvPicPr>
+        <p:blipFill>
+          <a:blip r:embed="rId2"/>
+          <a:stretch>
+            <a:fillRect/>
+          </a:stretch>
+        </p:blipFill>
+        <p:spPr>
+          <a:xfrm>
+            <a:off x="12305402" y="0"/>
+            <a:ext cx="1993565" cy="1822862"/>
+          </a:xfrm>
+          <a:prstGeom prst="rect">
+            <a:avLst/>
+          </a:prstGeom>
+        </p:spPr>
+      </p:pic>
+      <p:pic>
+        <p:nvPicPr>
+          <p:cNvPr id="7" name="Picture 6">
+            <a:extLst>
+              <a:ext uri="{FF2B5EF4-FFF2-40B4-BE49-F238E27FC236}">
+                <a16:creationId xmlns:a16="http://schemas.microsoft.com/office/drawing/2014/main" id="{D8A04081-B698-40DD-9CDF-46BA9515250A}"/>
+              </a:ext>
+            </a:extLst>
+          </p:cNvPr>
+          <p:cNvPicPr>
+            <a:picLocks noChangeAspect="1"/>
+          </p:cNvPicPr>
+          <p:nvPr/>
+        </p:nvPicPr>
+        <p:blipFill>
+          <a:blip r:embed="rId3">
+            <a:extLst>
+              <a:ext uri="{28A0092B-C50C-407E-A947-70E740481C1C}">
+                <a14:useLocalDpi xmlns:a14="http://schemas.microsoft.com/office/drawing/2010/main" val="0"/>
+              </a:ext>
+            </a:extLst>
+          </a:blip>
+          <a:stretch>
+            <a:fillRect/>
+          </a:stretch>
+        </p:blipFill>
+        <p:spPr>
+          <a:xfrm>
+            <a:off x="1286745" y="2862455"/>
+            <a:ext cx="3404352" cy="2254295"/>
+          </a:xfrm>
+          <a:prstGeom prst="rect">
+            <a:avLst/>
+          </a:prstGeom>
+        </p:spPr>
+      </p:pic>
+      <p:pic>
+        <p:nvPicPr>
+          <p:cNvPr id="9" name="Picture 8">
+            <a:extLst>
+              <a:ext uri="{FF2B5EF4-FFF2-40B4-BE49-F238E27FC236}">
+                <a16:creationId xmlns:a16="http://schemas.microsoft.com/office/drawing/2014/main" id="{BD7B84C6-DBDC-4533-8B55-101AA261F95B}"/>
+              </a:ext>
+            </a:extLst>
+          </p:cNvPr>
+          <p:cNvPicPr>
+            <a:picLocks noChangeAspect="1"/>
+          </p:cNvPicPr>
+          <p:nvPr/>
+        </p:nvPicPr>
+        <p:blipFill>
+          <a:blip r:embed="rId4">
+            <a:extLst>
+              <a:ext uri="{28A0092B-C50C-407E-A947-70E740481C1C}">
+                <a14:useLocalDpi xmlns:a14="http://schemas.microsoft.com/office/drawing/2010/main" val="0"/>
+              </a:ext>
+            </a:extLst>
+          </a:blip>
+          <a:stretch>
+            <a:fillRect/>
+          </a:stretch>
+        </p:blipFill>
+        <p:spPr>
+          <a:xfrm>
+            <a:off x="4673415" y="2862456"/>
+            <a:ext cx="3445590" cy="2254295"/>
+          </a:xfrm>
+          <a:prstGeom prst="rect">
+            <a:avLst/>
+          </a:prstGeom>
+        </p:spPr>
+      </p:pic>
+      <p:pic>
+        <p:nvPicPr>
+          <p:cNvPr id="11" name="Picture 10">
+            <a:extLst>
+              <a:ext uri="{FF2B5EF4-FFF2-40B4-BE49-F238E27FC236}">
+                <a16:creationId xmlns:a16="http://schemas.microsoft.com/office/drawing/2014/main" id="{1A93C773-C71D-4C66-A62F-59D5BCEB98D8}"/>
+              </a:ext>
+            </a:extLst>
+          </p:cNvPr>
+          <p:cNvPicPr>
+            <a:picLocks noChangeAspect="1"/>
+          </p:cNvPicPr>
+          <p:nvPr/>
+        </p:nvPicPr>
+        <p:blipFill>
+          <a:blip r:embed="rId5">
+            <a:extLst>
+              <a:ext uri="{28A0092B-C50C-407E-A947-70E740481C1C}">
+                <a14:useLocalDpi xmlns:a14="http://schemas.microsoft.com/office/drawing/2010/main" val="0"/>
+              </a:ext>
+            </a:extLst>
+          </a:blip>
+          <a:stretch>
+            <a:fillRect/>
+          </a:stretch>
+        </p:blipFill>
+        <p:spPr>
+          <a:xfrm>
+            <a:off x="8230986" y="2862454"/>
+            <a:ext cx="3445589" cy="2254295"/>
+          </a:xfrm>
+          <a:prstGeom prst="rect">
+            <a:avLst/>
+          </a:prstGeom>
+        </p:spPr>
+      </p:pic>
+    </p:spTree>
+    <p:extLst>
+      <p:ext uri="{BB962C8B-B14F-4D97-AF65-F5344CB8AC3E}">
+        <p14:creationId xmlns:p14="http://schemas.microsoft.com/office/powerpoint/2010/main" val="523037342"/>
       </p:ext>
     </p:extLst>
   </p:cSld>
